--- a/Project_Givengel_회의록_01차_20210709.pptx
+++ b/Project_Givengel_회의록_01차_20210709.pptx
@@ -16,18 +16,19 @@
     <p:sldId id="266" r:id="rId10"/>
     <p:sldId id="267" r:id="rId11"/>
     <p:sldId id="268" r:id="rId12"/>
+    <p:sldId id="269" r:id="rId13"/>
   </p:sldIdLst>
   <p:sldSz cx="12192000" cy="6858000"/>
   <p:notesSz cx="6858000" cy="9144000"/>
   <p:embeddedFontLst>
     <p:embeddedFont>
-      <p:font typeface="나눔스퀘어 Bold" panose="020B0600000101010101" pitchFamily="50" charset="-127"/>
-      <p:bold r:id="rId13"/>
-    </p:embeddedFont>
-    <p:embeddedFont>
       <p:font typeface="맑은 고딕" panose="020B0503020000020004" pitchFamily="50" charset="-127"/>
       <p:regular r:id="rId14"/>
       <p:bold r:id="rId15"/>
+    </p:embeddedFont>
+    <p:embeddedFont>
+      <p:font typeface="나눔스퀘어 Bold" panose="020B0600000101010101" pitchFamily="50" charset="-127"/>
+      <p:bold r:id="rId16"/>
     </p:embeddedFont>
   </p:embeddedFontLst>
   <p:defaultTextStyle>
@@ -133,6 +134,32 @@
 </p:presentation>
 </file>
 
+<file path=ppt/commentAuthors.xml><?xml version="1.0" encoding="utf-8"?>
+<p:cmAuthorLst xmlns:a="http://schemas.openxmlformats.org/drawingml/2006/main" xmlns:r="http://schemas.openxmlformats.org/officeDocument/2006/relationships" xmlns:p="http://schemas.openxmlformats.org/presentationml/2006/main">
+  <p:cmAuthor id="1" name="김 인철" initials="김인" lastIdx="1" clrIdx="0">
+    <p:extLst>
+      <p:ext uri="{19B8F6BF-5375-455C-9EA6-DF929625EA0E}">
+        <p15:presenceInfo xmlns:p15="http://schemas.microsoft.com/office/powerpoint/2012/main" userId="5c18b9cd4ebf5ee9" providerId="Windows Live"/>
+      </p:ext>
+    </p:extLst>
+  </p:cmAuthor>
+</p:cmAuthorLst>
+</file>
+
+<file path=ppt/comments/comment1.xml><?xml version="1.0" encoding="utf-8"?>
+<p:cmLst xmlns:a="http://schemas.openxmlformats.org/drawingml/2006/main" xmlns:r="http://schemas.openxmlformats.org/officeDocument/2006/relationships" xmlns:p="http://schemas.openxmlformats.org/presentationml/2006/main">
+  <p:cm authorId="1" dt="2021-07-16T17:13:28.218" idx="1">
+    <p:pos x="10" y="10"/>
+    <p:text/>
+    <p:extLst>
+      <p:ext uri="{C676402C-5697-4E1C-873F-D02D1690AC5C}">
+        <p15:threadingInfo xmlns:p15="http://schemas.microsoft.com/office/powerpoint/2012/main" timeZoneBias="-540"/>
+      </p:ext>
+    </p:extLst>
+  </p:cm>
+</p:cmLst>
+</file>
+
 <file path=ppt/slideLayouts/slideLayout1.xml><?xml version="1.0" encoding="utf-8"?>
 <p:sldLayout xmlns:a="http://schemas.openxmlformats.org/drawingml/2006/main" xmlns:r="http://schemas.openxmlformats.org/officeDocument/2006/relationships" xmlns:p="http://schemas.openxmlformats.org/presentationml/2006/main" type="title" preserve="1">
   <p:cSld name="제목 슬라이드">
@@ -280,7 +307,7 @@
           <a:p>
             <a:fld id="{2D2EAB75-C1B7-4EF9-A56D-23DB020A884E}" type="datetimeFigureOut">
               <a:rPr lang="ko-KR" altLang="en-US" smtClean="0"/>
-              <a:t>2021-07-12</a:t>
+              <a:t>2021-07-16</a:t>
             </a:fld>
             <a:endParaRPr lang="ko-KR" altLang="en-US"/>
           </a:p>
@@ -478,7 +505,7 @@
           <a:p>
             <a:fld id="{2D2EAB75-C1B7-4EF9-A56D-23DB020A884E}" type="datetimeFigureOut">
               <a:rPr lang="ko-KR" altLang="en-US" smtClean="0"/>
-              <a:t>2021-07-12</a:t>
+              <a:t>2021-07-16</a:t>
             </a:fld>
             <a:endParaRPr lang="ko-KR" altLang="en-US"/>
           </a:p>
@@ -686,7 +713,7 @@
           <a:p>
             <a:fld id="{2D2EAB75-C1B7-4EF9-A56D-23DB020A884E}" type="datetimeFigureOut">
               <a:rPr lang="ko-KR" altLang="en-US" smtClean="0"/>
-              <a:t>2021-07-12</a:t>
+              <a:t>2021-07-16</a:t>
             </a:fld>
             <a:endParaRPr lang="ko-KR" altLang="en-US"/>
           </a:p>
@@ -884,7 +911,7 @@
           <a:p>
             <a:fld id="{2D2EAB75-C1B7-4EF9-A56D-23DB020A884E}" type="datetimeFigureOut">
               <a:rPr lang="ko-KR" altLang="en-US" smtClean="0"/>
-              <a:t>2021-07-12</a:t>
+              <a:t>2021-07-16</a:t>
             </a:fld>
             <a:endParaRPr lang="ko-KR" altLang="en-US"/>
           </a:p>
@@ -1159,7 +1186,7 @@
           <a:p>
             <a:fld id="{2D2EAB75-C1B7-4EF9-A56D-23DB020A884E}" type="datetimeFigureOut">
               <a:rPr lang="ko-KR" altLang="en-US" smtClean="0"/>
-              <a:t>2021-07-12</a:t>
+              <a:t>2021-07-16</a:t>
             </a:fld>
             <a:endParaRPr lang="ko-KR" altLang="en-US"/>
           </a:p>
@@ -1424,7 +1451,7 @@
           <a:p>
             <a:fld id="{2D2EAB75-C1B7-4EF9-A56D-23DB020A884E}" type="datetimeFigureOut">
               <a:rPr lang="ko-KR" altLang="en-US" smtClean="0"/>
-              <a:t>2021-07-12</a:t>
+              <a:t>2021-07-16</a:t>
             </a:fld>
             <a:endParaRPr lang="ko-KR" altLang="en-US"/>
           </a:p>
@@ -1836,7 +1863,7 @@
           <a:p>
             <a:fld id="{2D2EAB75-C1B7-4EF9-A56D-23DB020A884E}" type="datetimeFigureOut">
               <a:rPr lang="ko-KR" altLang="en-US" smtClean="0"/>
-              <a:t>2021-07-12</a:t>
+              <a:t>2021-07-16</a:t>
             </a:fld>
             <a:endParaRPr lang="ko-KR" altLang="en-US"/>
           </a:p>
@@ -1977,7 +2004,7 @@
           <a:p>
             <a:fld id="{2D2EAB75-C1B7-4EF9-A56D-23DB020A884E}" type="datetimeFigureOut">
               <a:rPr lang="ko-KR" altLang="en-US" smtClean="0"/>
-              <a:t>2021-07-12</a:t>
+              <a:t>2021-07-16</a:t>
             </a:fld>
             <a:endParaRPr lang="ko-KR" altLang="en-US"/>
           </a:p>
@@ -2090,7 +2117,7 @@
           <a:p>
             <a:fld id="{2D2EAB75-C1B7-4EF9-A56D-23DB020A884E}" type="datetimeFigureOut">
               <a:rPr lang="ko-KR" altLang="en-US" smtClean="0"/>
-              <a:t>2021-07-12</a:t>
+              <a:t>2021-07-16</a:t>
             </a:fld>
             <a:endParaRPr lang="ko-KR" altLang="en-US"/>
           </a:p>
@@ -2401,7 +2428,7 @@
           <a:p>
             <a:fld id="{2D2EAB75-C1B7-4EF9-A56D-23DB020A884E}" type="datetimeFigureOut">
               <a:rPr lang="ko-KR" altLang="en-US" smtClean="0"/>
-              <a:t>2021-07-12</a:t>
+              <a:t>2021-07-16</a:t>
             </a:fld>
             <a:endParaRPr lang="ko-KR" altLang="en-US"/>
           </a:p>
@@ -2689,7 +2716,7 @@
           <a:p>
             <a:fld id="{2D2EAB75-C1B7-4EF9-A56D-23DB020A884E}" type="datetimeFigureOut">
               <a:rPr lang="ko-KR" altLang="en-US" smtClean="0"/>
-              <a:t>2021-07-12</a:t>
+              <a:t>2021-07-16</a:t>
             </a:fld>
             <a:endParaRPr lang="ko-KR" altLang="en-US"/>
           </a:p>
@@ -2930,7 +2957,7 @@
           <a:p>
             <a:fld id="{2D2EAB75-C1B7-4EF9-A56D-23DB020A884E}" type="datetimeFigureOut">
               <a:rPr lang="ko-KR" altLang="en-US" smtClean="0"/>
-              <a:t>2021-07-12</a:t>
+              <a:t>2021-07-16</a:t>
             </a:fld>
             <a:endParaRPr lang="ko-KR" altLang="en-US"/>
           </a:p>
@@ -3914,6 +3941,13 @@
   <p:clrMapOvr>
     <a:masterClrMapping/>
   </p:clrMapOvr>
+  <p:timing>
+    <p:tnLst>
+      <p:par>
+        <p:cTn id="1" dur="indefinite" restart="never" nodeType="tmRoot"/>
+      </p:par>
+    </p:tnLst>
+  </p:timing>
 </p:sld>
 </file>
 
@@ -4167,7 +4201,7 @@
           <p:nvPr/>
         </p:nvPicPr>
         <p:blipFill>
-          <a:blip r:embed="rId2">
+          <a:blip r:embed="rId2" cstate="hqprint">
             <a:extLst>
               <a:ext uri="{28A0092B-C50C-407E-A947-70E740481C1C}">
                 <a14:useLocalDpi xmlns:a14="http://schemas.microsoft.com/office/drawing/2010/main" val="0"/>
@@ -6481,21 +6515,21 @@
           <a:lstStyle/>
           <a:p>
             <a:r>
-              <a:rPr lang="en-US" altLang="ko-KR" sz="1600">
+              <a:rPr lang="en-US" altLang="ko-KR" sz="1600" dirty="0">
                 <a:latin typeface="나눔스퀘어 Bold" panose="020B0600000101010101" pitchFamily="50" charset="-127"/>
                 <a:ea typeface="나눔스퀘어 Bold" panose="020B0600000101010101" pitchFamily="50" charset="-127"/>
               </a:rPr>
               <a:t>@ </a:t>
             </a:r>
             <a:r>
-              <a:rPr lang="ko-KR" altLang="en-US" sz="1600">
+              <a:rPr lang="ko-KR" altLang="en-US" sz="1600" dirty="0">
                 <a:latin typeface="나눔스퀘어 Bold" panose="020B0600000101010101" pitchFamily="50" charset="-127"/>
                 <a:ea typeface="나눔스퀘어 Bold" panose="020B0600000101010101" pitchFamily="50" charset="-127"/>
               </a:rPr>
               <a:t>모든 페이지에 적용될 기능 </a:t>
             </a:r>
             <a:r>
-              <a:rPr lang="en-US" altLang="ko-KR" sz="1600">
+              <a:rPr lang="en-US" altLang="ko-KR" sz="1600" dirty="0">
                 <a:latin typeface="나눔스퀘어 Bold" panose="020B0600000101010101" pitchFamily="50" charset="-127"/>
                 <a:ea typeface="나눔스퀘어 Bold" panose="020B0600000101010101" pitchFamily="50" charset="-127"/>
               </a:rPr>
@@ -7376,6 +7410,281 @@
               <a:latin typeface="나눔스퀘어 Bold" panose="020B0600000101010101" pitchFamily="50" charset="-127"/>
               <a:ea typeface="나눔스퀘어 Bold" panose="020B0600000101010101" pitchFamily="50" charset="-127"/>
             </a:endParaRPr>
+          </a:p>
+        </p:txBody>
+      </p:sp>
+      <p:sp>
+        <p:nvSpPr>
+          <p:cNvPr id="3" name="TextBox 2"/>
+          <p:cNvSpPr txBox="1"/>
+          <p:nvPr/>
+        </p:nvSpPr>
+        <p:spPr>
+          <a:xfrm>
+            <a:off x="9344968" y="842806"/>
+            <a:ext cx="3148902" cy="2862322"/>
+          </a:xfrm>
+          <a:prstGeom prst="rect">
+            <a:avLst/>
+          </a:prstGeom>
+          <a:noFill/>
+        </p:spPr>
+        <p:txBody>
+          <a:bodyPr wrap="square" rtlCol="0">
+            <a:spAutoFit/>
+          </a:bodyPr>
+          <a:lstStyle/>
+          <a:p>
+            <a:r>
+              <a:rPr lang="ko-KR" altLang="en-US" dirty="0" smtClean="0"/>
+              <a:t>유저 정보 </a:t>
+            </a:r>
+            <a:r>
+              <a:rPr lang="en-US" altLang="ko-KR" dirty="0" smtClean="0"/>
+              <a:t>-&gt; </a:t>
+            </a:r>
+            <a:r>
+              <a:rPr lang="ko-KR" altLang="en-US" dirty="0" smtClean="0"/>
+              <a:t>마일리지 이력 테이블</a:t>
+            </a:r>
+            <a:endParaRPr lang="en-US" altLang="ko-KR" dirty="0" smtClean="0"/>
+          </a:p>
+          <a:p>
+            <a:r>
+              <a:rPr lang="en-US" altLang="ko-KR" dirty="0" err="1" smtClean="0"/>
+              <a:t>user_cashlog</a:t>
+            </a:r>
+            <a:r>
+              <a:rPr lang="en-US" altLang="ko-KR" dirty="0" smtClean="0"/>
+              <a:t/>
+            </a:r>
+            <a:br>
+              <a:rPr lang="en-US" altLang="ko-KR" dirty="0" smtClean="0"/>
+            </a:br>
+            <a:r>
+              <a:rPr lang="en-US" altLang="ko-KR" dirty="0" smtClean="0"/>
+              <a:t>- </a:t>
+            </a:r>
+            <a:r>
+              <a:rPr lang="en-US" altLang="ko-KR" dirty="0" err="1" smtClean="0"/>
+              <a:t>user_cashlog_no</a:t>
+            </a:r>
+            <a:endParaRPr lang="en-US" altLang="ko-KR" dirty="0" smtClean="0"/>
+          </a:p>
+          <a:p>
+            <a:pPr marL="285750" indent="-285750">
+              <a:buFontTx/>
+              <a:buChar char="-"/>
+            </a:pPr>
+            <a:r>
+              <a:rPr lang="en-US" altLang="ko-KR" dirty="0" err="1" smtClean="0"/>
+              <a:t>user_no</a:t>
+            </a:r>
+            <a:endParaRPr lang="en-US" altLang="ko-KR" dirty="0"/>
+          </a:p>
+          <a:p>
+            <a:pPr marL="285750" indent="-285750">
+              <a:buFontTx/>
+              <a:buChar char="-"/>
+            </a:pPr>
+            <a:r>
+              <a:rPr lang="en-US" altLang="ko-KR" dirty="0" err="1" smtClean="0"/>
+              <a:t>user_cashlog_log</a:t>
+            </a:r>
+            <a:endParaRPr lang="en-US" altLang="ko-KR" dirty="0" smtClean="0"/>
+          </a:p>
+          <a:p>
+            <a:pPr marL="285750" indent="-285750">
+              <a:buFontTx/>
+              <a:buChar char="-"/>
+            </a:pPr>
+            <a:r>
+              <a:rPr lang="en-US" altLang="ko-KR" dirty="0" err="1" smtClean="0"/>
+              <a:t>user_cashlog_price</a:t>
+            </a:r>
+            <a:endParaRPr lang="en-US" altLang="ko-KR" dirty="0" smtClean="0"/>
+          </a:p>
+          <a:p>
+            <a:pPr marL="285750" indent="-285750">
+              <a:buFontTx/>
+              <a:buChar char="-"/>
+            </a:pPr>
+            <a:r>
+              <a:rPr lang="en-US" altLang="ko-KR" dirty="0" err="1" smtClean="0"/>
+              <a:t>user_cashlog_date</a:t>
+            </a:r>
+            <a:endParaRPr lang="en-US" altLang="ko-KR" dirty="0"/>
+          </a:p>
+          <a:p>
+            <a:endParaRPr lang="en-US" altLang="ko-KR" dirty="0" smtClean="0"/>
+          </a:p>
+          <a:p>
+            <a:endParaRPr lang="ko-KR" altLang="en-US" dirty="0"/>
+          </a:p>
+        </p:txBody>
+      </p:sp>
+      <p:sp>
+        <p:nvSpPr>
+          <p:cNvPr id="80" name="TextBox 79"/>
+          <p:cNvSpPr txBox="1"/>
+          <p:nvPr/>
+        </p:nvSpPr>
+        <p:spPr>
+          <a:xfrm>
+            <a:off x="6340930" y="836943"/>
+            <a:ext cx="3148902" cy="3416320"/>
+          </a:xfrm>
+          <a:prstGeom prst="rect">
+            <a:avLst/>
+          </a:prstGeom>
+          <a:noFill/>
+        </p:spPr>
+        <p:txBody>
+          <a:bodyPr wrap="square" rtlCol="0">
+            <a:spAutoFit/>
+          </a:bodyPr>
+          <a:lstStyle/>
+          <a:p>
+            <a:r>
+              <a:rPr lang="ko-KR" altLang="en-US" dirty="0" smtClean="0"/>
+              <a:t>유저 정보 </a:t>
+            </a:r>
+            <a:r>
+              <a:rPr lang="en-US" altLang="ko-KR" dirty="0" smtClean="0"/>
+              <a:t>-&gt; </a:t>
+            </a:r>
+            <a:r>
+              <a:rPr lang="ko-KR" altLang="en-US" dirty="0" smtClean="0"/>
+              <a:t>구매 내역 테이블</a:t>
+            </a:r>
+            <a:endParaRPr lang="en-US" altLang="ko-KR" dirty="0" smtClean="0"/>
+          </a:p>
+          <a:p>
+            <a:r>
+              <a:rPr lang="en-US" altLang="ko-KR" dirty="0" err="1" smtClean="0"/>
+              <a:t>user_buylog</a:t>
+            </a:r>
+            <a:endParaRPr lang="en-US" altLang="ko-KR" dirty="0" smtClean="0"/>
+          </a:p>
+          <a:p>
+            <a:pPr marL="285750" indent="-285750">
+              <a:buFontTx/>
+              <a:buChar char="-"/>
+            </a:pPr>
+            <a:r>
+              <a:rPr lang="en-US" altLang="ko-KR" dirty="0" err="1" smtClean="0"/>
+              <a:t>user_buylog_no</a:t>
+            </a:r>
+            <a:endParaRPr lang="en-US" altLang="ko-KR" dirty="0" smtClean="0"/>
+          </a:p>
+          <a:p>
+            <a:pPr marL="285750" indent="-285750">
+              <a:buFontTx/>
+              <a:buChar char="-"/>
+            </a:pPr>
+            <a:r>
+              <a:rPr lang="en-US" altLang="ko-KR" dirty="0" err="1" smtClean="0"/>
+              <a:t>user_no</a:t>
+            </a:r>
+            <a:endParaRPr lang="en-US" altLang="ko-KR" dirty="0" smtClean="0"/>
+          </a:p>
+          <a:p>
+            <a:pPr marL="285750" indent="-285750">
+              <a:buFontTx/>
+              <a:buChar char="-"/>
+            </a:pPr>
+            <a:r>
+              <a:rPr lang="en-US" altLang="ko-KR" dirty="0" err="1" smtClean="0"/>
+              <a:t>good_no</a:t>
+            </a:r>
+            <a:endParaRPr lang="en-US" altLang="ko-KR" dirty="0" smtClean="0"/>
+          </a:p>
+          <a:p>
+            <a:pPr marL="285750" indent="-285750">
+              <a:buFontTx/>
+              <a:buChar char="-"/>
+            </a:pPr>
+            <a:r>
+              <a:rPr lang="en-US" altLang="ko-KR" dirty="0" err="1" smtClean="0"/>
+              <a:t>user_buylog_price</a:t>
+            </a:r>
+            <a:endParaRPr lang="en-US" altLang="ko-KR" dirty="0" smtClean="0"/>
+          </a:p>
+          <a:p>
+            <a:pPr marL="285750" indent="-285750">
+              <a:buFontTx/>
+              <a:buChar char="-"/>
+            </a:pPr>
+            <a:r>
+              <a:rPr lang="en-US" altLang="ko-KR" dirty="0" err="1" smtClean="0"/>
+              <a:t>user_buylog_date</a:t>
+            </a:r>
+            <a:endParaRPr lang="en-US" altLang="ko-KR" dirty="0" smtClean="0"/>
+          </a:p>
+          <a:p>
+            <a:pPr marL="285750" indent="-285750">
+              <a:buFontTx/>
+              <a:buChar char="-"/>
+            </a:pPr>
+            <a:endParaRPr lang="en-US" altLang="ko-KR" dirty="0"/>
+          </a:p>
+          <a:p>
+            <a:endParaRPr lang="en-US" altLang="ko-KR" dirty="0"/>
+          </a:p>
+          <a:p>
+            <a:endParaRPr lang="en-US" altLang="ko-KR" dirty="0"/>
+          </a:p>
+          <a:p>
+            <a:endParaRPr lang="en-US" altLang="ko-KR" dirty="0"/>
+          </a:p>
+        </p:txBody>
+      </p:sp>
+      <p:sp>
+        <p:nvSpPr>
+          <p:cNvPr id="82" name="TextBox 81"/>
+          <p:cNvSpPr txBox="1"/>
+          <p:nvPr/>
+        </p:nvSpPr>
+        <p:spPr>
+          <a:xfrm>
+            <a:off x="9456338" y="3987520"/>
+            <a:ext cx="3148902" cy="1754326"/>
+          </a:xfrm>
+          <a:prstGeom prst="rect">
+            <a:avLst/>
+          </a:prstGeom>
+          <a:noFill/>
+        </p:spPr>
+        <p:txBody>
+          <a:bodyPr wrap="square" rtlCol="0">
+            <a:spAutoFit/>
+          </a:bodyPr>
+          <a:lstStyle/>
+          <a:p>
+            <a:r>
+              <a:rPr lang="ko-KR" altLang="en-US" dirty="0" smtClean="0"/>
+              <a:t>태그 설정 규칙</a:t>
+            </a:r>
+            <a:endParaRPr lang="en-US" altLang="ko-KR" dirty="0" smtClean="0"/>
+          </a:p>
+          <a:p>
+            <a:endParaRPr lang="en-US" altLang="ko-KR" dirty="0"/>
+          </a:p>
+          <a:p>
+            <a:r>
+              <a:rPr lang="ko-KR" altLang="en-US" dirty="0" smtClean="0"/>
+              <a:t>영어</a:t>
+            </a:r>
+            <a:endParaRPr lang="en-US" altLang="ko-KR" dirty="0"/>
+          </a:p>
+          <a:p>
+            <a:endParaRPr lang="en-US" altLang="ko-KR" dirty="0"/>
+          </a:p>
+          <a:p>
+            <a:endParaRPr lang="en-US" altLang="ko-KR" dirty="0"/>
+          </a:p>
+          <a:p>
+            <a:endParaRPr lang="en-US" altLang="ko-KR" dirty="0"/>
           </a:p>
         </p:txBody>
       </p:sp>
@@ -7389,6 +7698,13 @@
   <p:clrMapOvr>
     <a:masterClrMapping/>
   </p:clrMapOvr>
+  <p:timing>
+    <p:tnLst>
+      <p:par>
+        <p:cTn id="1" dur="indefinite" restart="never" nodeType="tmRoot"/>
+      </p:par>
+    </p:tnLst>
+  </p:timing>
 </p:sld>
 </file>
 
@@ -7708,7 +8024,7 @@
           <p:nvPr/>
         </p:nvPicPr>
         <p:blipFill>
-          <a:blip r:embed="rId2">
+          <a:blip r:embed="rId2" cstate="hqprint">
             <a:extLst>
               <a:ext uri="{28A0092B-C50C-407E-A947-70E740481C1C}">
                 <a14:useLocalDpi xmlns:a14="http://schemas.microsoft.com/office/drawing/2010/main" val="0"/>
@@ -7739,6 +8055,152 @@
   <p:clrMapOvr>
     <a:masterClrMapping/>
   </p:clrMapOvr>
+  <p:timing>
+    <p:tnLst>
+      <p:par>
+        <p:cTn id="1" dur="indefinite" restart="never" nodeType="tmRoot"/>
+      </p:par>
+    </p:tnLst>
+  </p:timing>
+</p:sld>
+</file>
+
+<file path=ppt/slides/slide12.xml><?xml version="1.0" encoding="utf-8"?>
+<p:sld xmlns:a="http://schemas.openxmlformats.org/drawingml/2006/main" xmlns:r="http://schemas.openxmlformats.org/officeDocument/2006/relationships" xmlns:p="http://schemas.openxmlformats.org/presentationml/2006/main">
+  <p:cSld>
+    <p:spTree>
+      <p:nvGrpSpPr>
+        <p:cNvPr id="1" name=""/>
+        <p:cNvGrpSpPr/>
+        <p:nvPr/>
+      </p:nvGrpSpPr>
+      <p:grpSpPr>
+        <a:xfrm>
+          <a:off x="0" y="0"/>
+          <a:ext cx="0" cy="0"/>
+          <a:chOff x="0" y="0"/>
+          <a:chExt cx="0" cy="0"/>
+        </a:xfrm>
+      </p:grpSpPr>
+      <p:sp>
+        <p:nvSpPr>
+          <p:cNvPr id="6" name="모서리가 둥근 직사각형 4">
+            <a:extLst>
+              <a:ext uri="{FF2B5EF4-FFF2-40B4-BE49-F238E27FC236}">
+                <a16:creationId xmlns:a16="http://schemas.microsoft.com/office/drawing/2014/main" id="{1437F154-6515-43C1-A8EE-F61257C05F6B}"/>
+              </a:ext>
+            </a:extLst>
+          </p:cNvPr>
+          <p:cNvSpPr/>
+          <p:nvPr/>
+        </p:nvSpPr>
+        <p:spPr>
+          <a:xfrm>
+            <a:off x="10189579" y="0"/>
+            <a:ext cx="2002421" cy="347240"/>
+          </a:xfrm>
+          <a:prstGeom prst="roundRect">
+            <a:avLst/>
+          </a:prstGeom>
+          <a:noFill/>
+          <a:ln w="38100">
+            <a:solidFill>
+              <a:srgbClr val="FF0000"/>
+            </a:solidFill>
+          </a:ln>
+        </p:spPr>
+        <p:style>
+          <a:lnRef idx="2">
+            <a:schemeClr val="accent1">
+              <a:shade val="50000"/>
+            </a:schemeClr>
+          </a:lnRef>
+          <a:fillRef idx="1">
+            <a:schemeClr val="accent1"/>
+          </a:fillRef>
+          <a:effectRef idx="0">
+            <a:schemeClr val="accent1"/>
+          </a:effectRef>
+          <a:fontRef idx="minor">
+            <a:schemeClr val="lt1"/>
+          </a:fontRef>
+        </p:style>
+        <p:txBody>
+          <a:bodyPr rtlCol="0" anchor="ctr"/>
+          <a:lstStyle/>
+          <a:p>
+            <a:pPr algn="ctr"/>
+            <a:r>
+              <a:rPr lang="en-US" altLang="ko-KR" sz="2000">
+                <a:solidFill>
+                  <a:schemeClr val="tx1"/>
+                </a:solidFill>
+                <a:latin typeface="나눔스퀘어 Bold" panose="020B0600000101010101" pitchFamily="50" charset="-127"/>
+                <a:ea typeface="나눔스퀘어 Bold" panose="020B0600000101010101" pitchFamily="50" charset="-127"/>
+              </a:rPr>
+              <a:t>2021.07.09</a:t>
+            </a:r>
+          </a:p>
+        </p:txBody>
+      </p:sp>
+      <p:sp>
+        <p:nvSpPr>
+          <p:cNvPr id="3" name="직사각형 2"/>
+          <p:cNvSpPr/>
+          <p:nvPr/>
+        </p:nvSpPr>
+        <p:spPr>
+          <a:xfrm>
+            <a:off x="6057900" y="4044461"/>
+            <a:ext cx="2400300" cy="2444261"/>
+          </a:xfrm>
+          <a:prstGeom prst="rect">
+            <a:avLst/>
+          </a:prstGeom>
+          <a:noFill/>
+        </p:spPr>
+        <p:style>
+          <a:lnRef idx="2">
+            <a:schemeClr val="accent1">
+              <a:shade val="50000"/>
+            </a:schemeClr>
+          </a:lnRef>
+          <a:fillRef idx="1">
+            <a:schemeClr val="accent1"/>
+          </a:fillRef>
+          <a:effectRef idx="0">
+            <a:schemeClr val="accent1"/>
+          </a:effectRef>
+          <a:fontRef idx="minor">
+            <a:schemeClr val="lt1"/>
+          </a:fontRef>
+        </p:style>
+        <p:txBody>
+          <a:bodyPr rtlCol="0" anchor="ctr"/>
+          <a:lstStyle/>
+          <a:p>
+            <a:pPr algn="ctr"/>
+            <a:endParaRPr lang="ko-KR" altLang="en-US"/>
+          </a:p>
+        </p:txBody>
+      </p:sp>
+    </p:spTree>
+    <p:extLst>
+      <p:ext uri="{BB962C8B-B14F-4D97-AF65-F5344CB8AC3E}">
+        <p14:creationId xmlns:p14="http://schemas.microsoft.com/office/powerpoint/2010/main" val="697698434"/>
+      </p:ext>
+    </p:extLst>
+  </p:cSld>
+  <p:clrMapOvr>
+    <a:masterClrMapping/>
+  </p:clrMapOvr>
+  <p:timing>
+    <p:tnLst>
+      <p:par>
+        <p:cTn id="1" dur="indefinite" restart="never" nodeType="tmRoot"/>
+      </p:par>
+    </p:tnLst>
+  </p:timing>
 </p:sld>
 </file>
 
@@ -8338,7 +8800,7 @@
           <p:nvPr/>
         </p:nvPicPr>
         <p:blipFill>
-          <a:blip r:embed="rId2">
+          <a:blip r:embed="rId2" cstate="hqprint">
             <a:extLst>
               <a:ext uri="{28A0092B-C50C-407E-A947-70E740481C1C}">
                 <a14:useLocalDpi xmlns:a14="http://schemas.microsoft.com/office/drawing/2010/main" val="0"/>
@@ -8369,6 +8831,13 @@
   <p:clrMapOvr>
     <a:masterClrMapping/>
   </p:clrMapOvr>
+  <p:timing>
+    <p:tnLst>
+      <p:par>
+        <p:cTn id="1" dur="indefinite" restart="never" nodeType="tmRoot"/>
+      </p:par>
+    </p:tnLst>
+  </p:timing>
 </p:sld>
 </file>
 
@@ -8780,7 +9249,7 @@
           <p:nvPr/>
         </p:nvPicPr>
         <p:blipFill>
-          <a:blip r:embed="rId3">
+          <a:blip r:embed="rId3" cstate="hqprint">
             <a:extLst>
               <a:ext uri="{28A0092B-C50C-407E-A947-70E740481C1C}">
                 <a14:useLocalDpi xmlns:a14="http://schemas.microsoft.com/office/drawing/2010/main" val="0"/>
@@ -9529,7 +9998,7 @@
           <p:nvPr/>
         </p:nvPicPr>
         <p:blipFill>
-          <a:blip r:embed="rId2">
+          <a:blip r:embed="rId2" cstate="hqprint">
             <a:extLst>
               <a:ext uri="{28A0092B-C50C-407E-A947-70E740481C1C}">
                 <a14:useLocalDpi xmlns:a14="http://schemas.microsoft.com/office/drawing/2010/main" val="0"/>
@@ -10320,7 +10789,7 @@
           <p:nvPr/>
         </p:nvPicPr>
         <p:blipFill>
-          <a:blip r:embed="rId3">
+          <a:blip r:embed="rId3" cstate="hqprint">
             <a:extLst>
               <a:ext uri="{28A0092B-C50C-407E-A947-70E740481C1C}">
                 <a14:useLocalDpi xmlns:a14="http://schemas.microsoft.com/office/drawing/2010/main" val="0"/>
@@ -10601,7 +11070,7 @@
           <p:nvPr/>
         </p:nvPicPr>
         <p:blipFill>
-          <a:blip r:embed="rId3">
+          <a:blip r:embed="rId3" cstate="hqprint">
             <a:extLst>
               <a:ext uri="{28A0092B-C50C-407E-A947-70E740481C1C}">
                 <a14:useLocalDpi xmlns:a14="http://schemas.microsoft.com/office/drawing/2010/main" val="0"/>
@@ -11544,7 +12013,7 @@
           <p:nvPr/>
         </p:nvPicPr>
         <p:blipFill>
-          <a:blip r:embed="rId2">
+          <a:blip r:embed="rId2" cstate="hqprint">
             <a:extLst>
               <a:ext uri="{28A0092B-C50C-407E-A947-70E740481C1C}">
                 <a14:useLocalDpi xmlns:a14="http://schemas.microsoft.com/office/drawing/2010/main" val="0"/>
@@ -12541,7 +13010,7 @@
           <p:nvPr/>
         </p:nvPicPr>
         <p:blipFill>
-          <a:blip r:embed="rId2">
+          <a:blip r:embed="rId2" cstate="hqprint">
             <a:extLst>
               <a:ext uri="{28A0092B-C50C-407E-A947-70E740481C1C}">
                 <a14:useLocalDpi xmlns:a14="http://schemas.microsoft.com/office/drawing/2010/main" val="0"/>
@@ -13408,7 +13877,7 @@
           <p:nvPr/>
         </p:nvPicPr>
         <p:blipFill>
-          <a:blip r:embed="rId2">
+          <a:blip r:embed="rId2" cstate="hqprint">
             <a:extLst>
               <a:ext uri="{28A0092B-C50C-407E-A947-70E740481C1C}">
                 <a14:useLocalDpi xmlns:a14="http://schemas.microsoft.com/office/drawing/2010/main" val="0"/>
